--- a/Smart India Hackathon 2025 Altered.pptx
+++ b/Smart India Hackathon 2025 Altered.pptx
@@ -4673,7 +4673,7 @@
                 <a16:creationId xmlns:a16="http://schemas.microsoft.com/office/drawing/2014/main" id="{3E443FD7-A66B-4AA0-872D-B088B9BC5F17}"/>
               </a:ext>
               <a:ext uri="{C183D7F6-B498-43B3-948B-1728B52AA6E4}">
-                <adec:decorative xmlns="" xmlns:adec="http://schemas.microsoft.com/office/drawing/2017/decorative" val="1"/>
+                <adec:decorative xmlns:adec="http://schemas.microsoft.com/office/drawing/2017/decorative" xmlns="" val="1"/>
               </a:ext>
             </a:extLst>
           </p:cNvPr>
@@ -4733,7 +4733,7 @@
                 <a16:creationId xmlns:a16="http://schemas.microsoft.com/office/drawing/2014/main" id="{C04BE0EF-3561-49B4-9A29-F283168A91C7}"/>
               </a:ext>
               <a:ext uri="{C183D7F6-B498-43B3-948B-1728B52AA6E4}">
-                <adec:decorative xmlns="" xmlns:adec="http://schemas.microsoft.com/office/drawing/2017/decorative" val="1"/>
+                <adec:decorative xmlns:adec="http://schemas.microsoft.com/office/drawing/2017/decorative" xmlns="" val="1"/>
               </a:ext>
             </a:extLst>
           </p:cNvPr>
@@ -6050,7 +6050,7 @@
                 <a16:creationId xmlns:a16="http://schemas.microsoft.com/office/drawing/2014/main" id="{5DBCE864-823D-4A13-9607-5DA1F0ED5FB8}"/>
               </a:ext>
               <a:ext uri="{C183D7F6-B498-43B3-948B-1728B52AA6E4}">
-                <adec:decorative xmlns="" xmlns:adec="http://schemas.microsoft.com/office/drawing/2017/decorative" val="0"/>
+                <adec:decorative xmlns:adec="http://schemas.microsoft.com/office/drawing/2017/decorative" xmlns="" val="0"/>
               </a:ext>
             </a:extLst>
           </p:cNvPr>
@@ -6178,7 +6178,7 @@
         <p:spPr>
           <a:xfrm>
             <a:off x="568036" y="1469244"/>
-            <a:ext cx="6345382" cy="5878532"/>
+            <a:ext cx="6345382" cy="4339650"/>
           </a:xfrm>
           <a:prstGeom prst="rect">
             <a:avLst/>
@@ -6225,13 +6225,7 @@
               <a:rPr lang="en-US" sz="2000" dirty="0" smtClean="0">
                 <a:latin typeface="Arial" panose="020B0604020202020204" pitchFamily="34" charset="0"/>
               </a:rPr>
-              <a:t>AI </a:t>
-            </a:r>
-            <a:r>
-              <a:rPr lang="en-US" sz="2000" dirty="0">
-                <a:latin typeface="Arial" panose="020B0604020202020204" pitchFamily="34" charset="0"/>
-              </a:rPr>
-              <a:t>analyzes the message using smart language processing.</a:t>
+              <a:t>AI analyzes the message using smart language processing.</a:t>
             </a:r>
           </a:p>
           <a:p>
@@ -6240,55 +6234,7 @@
               <a:buChar char="•"/>
             </a:pPr>
             <a:r>
-              <a:rPr lang="en-US" sz="2000" dirty="0">
-                <a:latin typeface="Arial" panose="020B0604020202020204" pitchFamily="34" charset="0"/>
-              </a:rPr>
-              <a:t>Shows possible diseases and simple home care advice.</a:t>
-            </a:r>
-          </a:p>
-          <a:p>
-            <a:pPr marL="342900" lvl="0" indent="-342900" defTabSz="914400" eaLnBrk="0" hangingPunct="0">
-              <a:buFont typeface="Arial" panose="020B0604020202020204" pitchFamily="34" charset="0"/>
-              <a:buChar char="•"/>
-            </a:pPr>
-            <a:r>
-              <a:rPr lang="en-US" sz="2000" dirty="0">
-                <a:latin typeface="Arial" panose="020B0604020202020204" pitchFamily="34" charset="0"/>
-              </a:rPr>
-              <a:t>Displays real-time outbreak map based on user location.</a:t>
-            </a:r>
-          </a:p>
-          <a:p>
-            <a:pPr marL="342900" lvl="0" indent="-342900" defTabSz="914400" eaLnBrk="0" hangingPunct="0">
-              <a:buFont typeface="Arial" panose="020B0604020202020204" pitchFamily="34" charset="0"/>
-              <a:buChar char="•"/>
-            </a:pPr>
-            <a:r>
-              <a:rPr lang="en-US" sz="2000" dirty="0">
-                <a:latin typeface="Arial" panose="020B0604020202020204" pitchFamily="34" charset="0"/>
-              </a:rPr>
-              <a:t>Corrects health myths with clear, trusted facts.</a:t>
-            </a:r>
-          </a:p>
-          <a:p>
-            <a:pPr marL="342900" lvl="0" indent="-342900" defTabSz="914400" eaLnBrk="0" hangingPunct="0">
-              <a:buFont typeface="Arial" panose="020B0604020202020204" pitchFamily="34" charset="0"/>
-              <a:buChar char="•"/>
-            </a:pPr>
-            <a:r>
-              <a:rPr lang="en-US" sz="2000" dirty="0">
-                <a:latin typeface="Arial" panose="020B0604020202020204" pitchFamily="34" charset="0"/>
-              </a:rPr>
-              <a:t>Sends health tips and preventive reminders.</a:t>
-            </a:r>
-          </a:p>
-          <a:p>
-            <a:pPr marL="342900" lvl="0" indent="-342900" defTabSz="914400" eaLnBrk="0" hangingPunct="0">
-              <a:buFont typeface="Arial" panose="020B0604020202020204" pitchFamily="34" charset="0"/>
-              <a:buChar char="•"/>
-            </a:pPr>
-            <a:r>
-              <a:rPr lang="en-US" sz="2000" dirty="0">
+              <a:rPr lang="en-US" sz="2000" dirty="0" smtClean="0">
                 <a:latin typeface="Arial" panose="020B0604020202020204" pitchFamily="34" charset="0"/>
               </a:rPr>
               <a:t>Supports local languages and voice input for easy use.</a:t>
@@ -6300,10 +6246,10 @@
               <a:buChar char="•"/>
             </a:pPr>
             <a:r>
-              <a:rPr lang="en-US" sz="2000" dirty="0">
+              <a:rPr lang="en-US" sz="2000" dirty="0" smtClean="0">
                 <a:latin typeface="Arial" panose="020B0604020202020204" pitchFamily="34" charset="0"/>
               </a:rPr>
-              <a:t>User types or speaks their health issue.</a:t>
+              <a:t>User either types or speaks about their health issue.</a:t>
             </a:r>
           </a:p>
           <a:p>
@@ -6312,10 +6258,10 @@
               <a:buChar char="•"/>
             </a:pPr>
             <a:r>
-              <a:rPr lang="en-US" sz="2000" dirty="0">
+              <a:rPr lang="en-US" sz="2000" dirty="0" smtClean="0">
                 <a:latin typeface="Arial" panose="020B0604020202020204" pitchFamily="34" charset="0"/>
               </a:rPr>
-              <a:t>  Provides emergency contact.</a:t>
+              <a:t>Provides emergency contact.</a:t>
             </a:r>
           </a:p>
           <a:p>
@@ -6324,7 +6270,7 @@
               <a:buChar char="•"/>
             </a:pPr>
             <a:r>
-              <a:rPr lang="en-US" sz="2000" dirty="0">
+              <a:rPr lang="en-US" sz="2000" dirty="0" smtClean="0">
                 <a:latin typeface="Arial" panose="020B0604020202020204" pitchFamily="34" charset="0"/>
               </a:rPr>
               <a:t>Tracks user health over time and give periodic reports.</a:t>
@@ -6371,7 +6317,7 @@
         <p:spPr>
           <a:xfrm>
             <a:off x="7107382" y="1750705"/>
-            <a:ext cx="4475018" cy="2923877"/>
+            <a:ext cx="4475018" cy="1692771"/>
           </a:xfrm>
           <a:prstGeom prst="rect">
             <a:avLst/>
@@ -6389,259 +6335,162 @@
                   <a:srgbClr val="0070C0"/>
                 </a:solidFill>
               </a:rPr>
-              <a:t>Our </a:t>
-            </a:r>
-            <a:r>
-              <a:rPr lang="en-IN" sz="2400" b="1" dirty="0">
+              <a:t>Drawbacks</a:t>
+            </a:r>
+            <a:r>
+              <a:rPr lang="en-IN" sz="2400" dirty="0" smtClean="0">
                 <a:solidFill>
                   <a:srgbClr val="0070C0"/>
                 </a:solidFill>
               </a:rPr>
-              <a:t>Solution</a:t>
-            </a:r>
-            <a:r>
-              <a:rPr lang="en-IN" sz="2400" dirty="0">
-                <a:solidFill>
-                  <a:srgbClr val="0070C0"/>
-                </a:solidFill>
-              </a:rPr>
               <a:t>: -</a:t>
             </a:r>
           </a:p>
           <a:p>
-            <a:pPr>
+            <a:pPr marL="342900" indent="-342900">
               <a:buFont typeface="Arial" panose="020B0604020202020204" pitchFamily="34" charset="0"/>
               <a:buChar char="•"/>
             </a:pPr>
             <a:r>
-              <a:rPr lang="en-US" sz="2000" b="1" dirty="0" smtClean="0">
-                <a:latin typeface="Arial" panose="020B0604020202020204" pitchFamily="34" charset="0"/>
-                <a:cs typeface="Arial" panose="020B0604020202020204" pitchFamily="34" charset="0"/>
-              </a:rPr>
-              <a:t>Integrated </a:t>
-            </a:r>
-            <a:r>
-              <a:rPr lang="en-US" sz="2000" b="1" dirty="0">
-                <a:latin typeface="Arial" panose="020B0604020202020204" pitchFamily="34" charset="0"/>
-                <a:cs typeface="Arial" panose="020B0604020202020204" pitchFamily="34" charset="0"/>
-              </a:rPr>
-              <a:t>with govt. health databases</a:t>
-            </a:r>
-            <a:r>
-              <a:rPr lang="en-US" sz="2000" dirty="0">
-                <a:latin typeface="Arial" panose="020B0604020202020204" pitchFamily="34" charset="0"/>
-                <a:cs typeface="Arial" panose="020B0604020202020204" pitchFamily="34" charset="0"/>
-              </a:rPr>
-              <a:t> for real-time updates.</a:t>
-            </a:r>
-          </a:p>
-          <a:p>
-            <a:pPr>
+              <a:rPr lang="en-US" sz="2000" dirty="0" smtClean="0"/>
+              <a:t>Accuracy Issues</a:t>
+            </a:r>
+          </a:p>
+          <a:p>
+            <a:pPr marL="342900" indent="-342900">
               <a:buFont typeface="Arial" panose="020B0604020202020204" pitchFamily="34" charset="0"/>
               <a:buChar char="•"/>
             </a:pPr>
             <a:r>
-              <a:rPr lang="en-US" sz="2000" b="1" dirty="0">
-                <a:latin typeface="Arial" panose="020B0604020202020204" pitchFamily="34" charset="0"/>
-                <a:cs typeface="Arial" panose="020B0604020202020204" pitchFamily="34" charset="0"/>
-              </a:rPr>
-              <a:t>Cloud-based &amp; scalable</a:t>
-            </a:r>
-            <a:r>
-              <a:rPr lang="en-US" sz="2000" dirty="0">
-                <a:latin typeface="Arial" panose="020B0604020202020204" pitchFamily="34" charset="0"/>
-                <a:cs typeface="Arial" panose="020B0604020202020204" pitchFamily="34" charset="0"/>
-              </a:rPr>
-              <a:t>, ensuring 24/7 access.</a:t>
-            </a:r>
-          </a:p>
-          <a:p>
-            <a:pPr>
+              <a:rPr lang="en-US" sz="2000" dirty="0" smtClean="0"/>
+              <a:t>Bias and </a:t>
+            </a:r>
+            <a:r>
+              <a:rPr lang="en-US" sz="2000" dirty="0"/>
+              <a:t>Limited </a:t>
+            </a:r>
+            <a:r>
+              <a:rPr lang="en-US" sz="2000" dirty="0" smtClean="0"/>
+              <a:t>Reach</a:t>
+            </a:r>
+          </a:p>
+          <a:p>
+            <a:pPr marL="342900" indent="-342900">
               <a:buFont typeface="Arial" panose="020B0604020202020204" pitchFamily="34" charset="0"/>
               <a:buChar char="•"/>
             </a:pPr>
             <a:r>
-              <a:rPr lang="en-US" sz="2000" b="1" dirty="0">
-                <a:latin typeface="Arial" panose="020B0604020202020204" pitchFamily="34" charset="0"/>
-                <a:cs typeface="Arial" panose="020B0604020202020204" pitchFamily="34" charset="0"/>
-              </a:rPr>
-              <a:t>Multilingual + voice support</a:t>
-            </a:r>
-            <a:r>
-              <a:rPr lang="en-US" sz="2000" dirty="0">
-                <a:latin typeface="Arial" panose="020B0604020202020204" pitchFamily="34" charset="0"/>
-                <a:cs typeface="Arial" panose="020B0604020202020204" pitchFamily="34" charset="0"/>
-              </a:rPr>
-              <a:t> for inclusivity.</a:t>
-            </a:r>
-          </a:p>
-          <a:p>
-            <a:pPr>
+              <a:rPr lang="en-US" sz="2000" dirty="0" smtClean="0"/>
+              <a:t>Trust and Transparency</a:t>
+            </a:r>
+          </a:p>
+          <a:p>
+            <a:pPr marL="342900" indent="-342900">
               <a:buFont typeface="Arial" panose="020B0604020202020204" pitchFamily="34" charset="0"/>
               <a:buChar char="•"/>
             </a:pPr>
             <a:r>
-              <a:rPr lang="en-US" sz="2000" b="1" dirty="0">
-                <a:latin typeface="Arial" panose="020B0604020202020204" pitchFamily="34" charset="0"/>
-                <a:cs typeface="Arial" panose="020B0604020202020204" pitchFamily="34" charset="0"/>
-              </a:rPr>
-              <a:t>Privacy-first</a:t>
-            </a:r>
-            <a:r>
-              <a:rPr lang="en-US" sz="2000" dirty="0">
-                <a:latin typeface="Arial" panose="020B0604020202020204" pitchFamily="34" charset="0"/>
-                <a:cs typeface="Arial" panose="020B0604020202020204" pitchFamily="34" charset="0"/>
-              </a:rPr>
-              <a:t>: anonymized and encrypted data.</a:t>
-            </a:r>
-          </a:p>
-        </p:txBody>
-      </p:sp>
-      <p:sp>
-        <p:nvSpPr>
-          <p:cNvPr id="8" name="Rectangle 1"/>
-          <p:cNvSpPr>
-            <a:spLocks noChangeArrowheads="1"/>
-          </p:cNvSpPr>
+              <a:rPr lang="en-US" sz="2000" dirty="0" smtClean="0"/>
+              <a:t>Privacy and Regulation	</a:t>
+            </a:r>
+            <a:endParaRPr lang="en-IN" sz="2000" dirty="0" smtClean="0"/>
+          </a:p>
+        </p:txBody>
+      </p:sp>
+      <p:sp>
+        <p:nvSpPr>
+          <p:cNvPr id="2" name="Rectangle 1"/>
+          <p:cNvSpPr/>
           <p:nvPr/>
         </p:nvSpPr>
-        <p:spPr bwMode="auto">
+        <p:spPr>
           <a:xfrm>
-            <a:off x="7107382" y="5053007"/>
-            <a:ext cx="4183180" cy="923330"/>
+            <a:off x="7107382" y="3773504"/>
+            <a:ext cx="4267200" cy="1569660"/>
           </a:xfrm>
           <a:prstGeom prst="rect">
             <a:avLst/>
           </a:prstGeom>
-          <a:noFill/>
-          <a:ln>
-            <a:noFill/>
-          </a:ln>
-          <a:effectLst/>
-          <a:extLst>
-            <a:ext uri="{909E8E84-426E-40DD-AFC4-6F175D3DCCD1}">
-              <a14:hiddenFill xmlns:a14="http://schemas.microsoft.com/office/drawing/2010/main">
-                <a:solidFill>
-                  <a:schemeClr val="accent1"/>
-                </a:solidFill>
-              </a14:hiddenFill>
-            </a:ext>
-            <a:ext uri="{91240B29-F687-4F45-9708-019B960494DF}">
-              <a14:hiddenLine xmlns:a14="http://schemas.microsoft.com/office/drawing/2010/main" w="9525">
-                <a:solidFill>
-                  <a:schemeClr val="tx1"/>
-                </a:solidFill>
-                <a:miter lim="800000"/>
-                <a:headEnd/>
-                <a:tailEnd/>
-              </a14:hiddenLine>
-            </a:ext>
-            <a:ext uri="{AF507438-7753-43E0-B8FC-AC1667EBCBE1}">
-              <a14:hiddenEffects xmlns:a14="http://schemas.microsoft.com/office/drawing/2010/main">
-                <a:effectLst>
-                  <a:outerShdw dist="35921" dir="2700000" algn="ctr" rotWithShape="0">
-                    <a:schemeClr val="bg2"/>
-                  </a:outerShdw>
-                </a:effectLst>
-              </a14:hiddenEffects>
-            </a:ext>
-          </a:extLst>
         </p:spPr>
         <p:txBody>
-          <a:bodyPr vert="horz" wrap="square" lIns="91440" tIns="45720" rIns="91440" bIns="45720" numCol="1" anchor="ctr" anchorCtr="0" compatLnSpc="1">
-            <a:prstTxWarp prst="textNoShape">
-              <a:avLst/>
-            </a:prstTxWarp>
+          <a:bodyPr wrap="square">
             <a:spAutoFit/>
           </a:bodyPr>
           <a:lstStyle/>
           <a:p>
-            <a:pPr marL="0" marR="0" lvl="0" indent="0" algn="l" defTabSz="914400" rtl="0" eaLnBrk="0" fontAlgn="base" latinLnBrk="0" hangingPunct="0">
-              <a:lnSpc>
-                <a:spcPct val="100000"/>
-              </a:lnSpc>
-              <a:spcBef>
-                <a:spcPct val="0"/>
-              </a:spcBef>
-              <a:spcAft>
-                <a:spcPct val="0"/>
-              </a:spcAft>
-              <a:buClrTx/>
-              <a:buSzTx/>
-              <a:buFontTx/>
+            <a:r>
+              <a:rPr lang="en-IN" sz="2400" b="1" dirty="0" smtClean="0">
+                <a:solidFill>
+                  <a:srgbClr val="0070C0"/>
+                </a:solidFill>
+              </a:rPr>
+              <a:t>Our Solution</a:t>
+            </a:r>
+            <a:r>
+              <a:rPr lang="en-IN" sz="2400" dirty="0" smtClean="0">
+                <a:solidFill>
+                  <a:srgbClr val="0070C0"/>
+                </a:solidFill>
+              </a:rPr>
+              <a:t>: -</a:t>
+            </a:r>
+            <a:endParaRPr lang="en-IN" sz="2400" dirty="0" smtClean="0"/>
+          </a:p>
+          <a:p>
+            <a:pPr marL="285750" indent="-285750">
+              <a:buFont typeface="Arial" panose="020B0604020202020204" pitchFamily="34" charset="0"/>
               <a:buChar char="•"/>
-              <a:tabLst/>
             </a:pPr>
             <a:r>
-              <a:rPr kumimoji="0" lang="en-US" altLang="en-US" sz="1800" b="1" i="0" u="none" strike="noStrike" cap="none" normalizeH="0" baseline="0" dirty="0" smtClean="0">
-                <a:ln>
-                  <a:noFill/>
-                </a:ln>
-                <a:solidFill>
-                  <a:schemeClr val="tx1"/>
-                </a:solidFill>
-                <a:effectLst/>
-                <a:latin typeface="Arial" panose="020B0604020202020204" pitchFamily="34" charset="0"/>
-              </a:rPr>
-              <a:t> 20% rise in awareness</a:t>
-            </a:r>
-            <a:r>
-              <a:rPr kumimoji="0" lang="en-US" altLang="en-US" sz="1800" b="0" i="0" u="none" strike="noStrike" cap="none" normalizeH="0" baseline="0" dirty="0" smtClean="0">
-                <a:ln>
-                  <a:noFill/>
-                </a:ln>
-                <a:solidFill>
-                  <a:schemeClr val="tx1"/>
-                </a:solidFill>
-                <a:effectLst/>
-                <a:latin typeface="Arial" panose="020B0604020202020204" pitchFamily="34" charset="0"/>
-              </a:rPr>
-              <a:t> in target areas.</a:t>
-            </a:r>
-          </a:p>
-          <a:p>
-            <a:pPr marL="0" marR="0" lvl="0" indent="0" algn="l" defTabSz="914400" rtl="0" eaLnBrk="0" fontAlgn="base" latinLnBrk="0" hangingPunct="0">
-              <a:lnSpc>
-                <a:spcPct val="100000"/>
-              </a:lnSpc>
-              <a:spcBef>
-                <a:spcPct val="0"/>
-              </a:spcBef>
-              <a:spcAft>
-                <a:spcPct val="0"/>
-              </a:spcAft>
-              <a:buClrTx/>
-              <a:buSzTx/>
-              <a:buFontTx/>
+              <a:rPr lang="en-IN" dirty="0" smtClean="0"/>
+              <a:t>Explainable AI</a:t>
+            </a:r>
+            <a:endParaRPr lang="en-IN" dirty="0"/>
+          </a:p>
+          <a:p>
+            <a:pPr marL="285750" indent="-285750">
+              <a:buFont typeface="Arial" panose="020B0604020202020204" pitchFamily="34" charset="0"/>
               <a:buChar char="•"/>
-              <a:tabLst/>
             </a:pPr>
             <a:r>
-              <a:rPr kumimoji="0" lang="en-US" altLang="en-US" sz="1800" b="1" i="0" u="none" strike="noStrike" cap="none" normalizeH="0" baseline="0" dirty="0" smtClean="0">
-                <a:ln>
-                  <a:noFill/>
-                </a:ln>
-                <a:solidFill>
-                  <a:schemeClr val="tx1"/>
-                </a:solidFill>
-                <a:effectLst/>
-                <a:latin typeface="Arial" panose="020B0604020202020204" pitchFamily="34" charset="0"/>
-              </a:rPr>
-              <a:t> 80% accuracy</a:t>
-            </a:r>
-            <a:r>
-              <a:rPr kumimoji="0" lang="en-US" altLang="en-US" sz="1800" b="0" i="0" u="none" strike="noStrike" cap="none" normalizeH="0" baseline="0" dirty="0" smtClean="0">
-                <a:ln>
-                  <a:noFill/>
-                </a:ln>
-                <a:solidFill>
-                  <a:schemeClr val="tx1"/>
-                </a:solidFill>
-                <a:effectLst/>
-                <a:latin typeface="Arial" panose="020B0604020202020204" pitchFamily="34" charset="0"/>
-              </a:rPr>
-              <a:t> in answering queries.</a:t>
-            </a:r>
+              <a:rPr lang="en-IN" dirty="0"/>
+              <a:t>Strong Data </a:t>
+            </a:r>
+            <a:r>
+              <a:rPr lang="en-IN" dirty="0" smtClean="0"/>
+              <a:t>Security</a:t>
+            </a:r>
+            <a:endParaRPr lang="en-IN" dirty="0"/>
+          </a:p>
+          <a:p>
+            <a:pPr marL="285750" indent="-285750">
+              <a:buFont typeface="Arial" panose="020B0604020202020204" pitchFamily="34" charset="0"/>
+              <a:buChar char="•"/>
+            </a:pPr>
+            <a:r>
+              <a:rPr lang="en-IN" dirty="0"/>
+              <a:t>Hybrid </a:t>
+            </a:r>
+            <a:r>
+              <a:rPr lang="en-IN" dirty="0" smtClean="0"/>
+              <a:t>Support</a:t>
+            </a:r>
+            <a:endParaRPr lang="en-IN" dirty="0"/>
+          </a:p>
+          <a:p>
+            <a:pPr marL="285750" indent="-285750">
+              <a:buFont typeface="Arial" panose="020B0604020202020204" pitchFamily="34" charset="0"/>
+              <a:buChar char="•"/>
+            </a:pPr>
+            <a:r>
+              <a:rPr lang="en-IN" dirty="0"/>
+              <a:t>Continuous </a:t>
+            </a:r>
+            <a:r>
+              <a:rPr lang="en-IN" dirty="0" smtClean="0"/>
+              <a:t>Updates</a:t>
+            </a:r>
+            <a:endParaRPr lang="en-IN" dirty="0"/>
           </a:p>
         </p:txBody>
       </p:sp>
@@ -6847,7 +6696,7 @@
                 <a16:creationId xmlns:a16="http://schemas.microsoft.com/office/drawing/2014/main" id="{5DBCE864-823D-4A13-9607-5DA1F0ED5FB8}"/>
               </a:ext>
               <a:ext uri="{C183D7F6-B498-43B3-948B-1728B52AA6E4}">
-                <adec:decorative xmlns="" xmlns:adec="http://schemas.microsoft.com/office/drawing/2017/decorative" val="0"/>
+                <adec:decorative xmlns:adec="http://schemas.microsoft.com/office/drawing/2017/decorative" xmlns="" val="0"/>
               </a:ext>
             </a:extLst>
           </p:cNvPr>
@@ -7172,6 +7021,174 @@
           </a:prstGeom>
         </p:spPr>
       </p:pic>
+      <p:sp>
+        <p:nvSpPr>
+          <p:cNvPr id="13" name="Rectangle 1"/>
+          <p:cNvSpPr>
+            <a:spLocks noChangeArrowheads="1"/>
+          </p:cNvSpPr>
+          <p:nvPr/>
+        </p:nvSpPr>
+        <p:spPr bwMode="auto">
+          <a:xfrm>
+            <a:off x="9421926" y="4164058"/>
+            <a:ext cx="3048000" cy="646331"/>
+          </a:xfrm>
+          <a:prstGeom prst="rect">
+            <a:avLst/>
+          </a:prstGeom>
+          <a:noFill/>
+          <a:ln>
+            <a:noFill/>
+          </a:ln>
+          <a:effectLst/>
+          <a:extLst>
+            <a:ext uri="{909E8E84-426E-40DD-AFC4-6F175D3DCCD1}">
+              <a14:hiddenFill xmlns:a14="http://schemas.microsoft.com/office/drawing/2010/main">
+                <a:solidFill>
+                  <a:schemeClr val="accent1"/>
+                </a:solidFill>
+              </a14:hiddenFill>
+            </a:ext>
+            <a:ext uri="{91240B29-F687-4F45-9708-019B960494DF}">
+              <a14:hiddenLine xmlns:a14="http://schemas.microsoft.com/office/drawing/2010/main" w="9525">
+                <a:solidFill>
+                  <a:schemeClr val="tx1"/>
+                </a:solidFill>
+                <a:miter lim="800000"/>
+                <a:headEnd/>
+                <a:tailEnd/>
+              </a14:hiddenLine>
+            </a:ext>
+            <a:ext uri="{AF507438-7753-43E0-B8FC-AC1667EBCBE1}">
+              <a14:hiddenEffects xmlns:a14="http://schemas.microsoft.com/office/drawing/2010/main">
+                <a:effectLst>
+                  <a:outerShdw dist="35921" dir="2700000" algn="ctr" rotWithShape="0">
+                    <a:schemeClr val="bg2"/>
+                  </a:outerShdw>
+                </a:effectLst>
+              </a14:hiddenEffects>
+            </a:ext>
+          </a:extLst>
+        </p:spPr>
+        <p:txBody>
+          <a:bodyPr vert="horz" wrap="square" lIns="91440" tIns="45720" rIns="91440" bIns="45720" numCol="1" anchor="ctr" anchorCtr="0" compatLnSpc="1">
+            <a:prstTxWarp prst="textNoShape">
+              <a:avLst/>
+            </a:prstTxWarp>
+            <a:spAutoFit/>
+          </a:bodyPr>
+          <a:lstStyle/>
+          <a:p>
+            <a:pPr marL="0" marR="0" lvl="0" indent="0" algn="l" defTabSz="914400" rtl="0" eaLnBrk="0" fontAlgn="base" latinLnBrk="0" hangingPunct="0">
+              <a:lnSpc>
+                <a:spcPct val="100000"/>
+              </a:lnSpc>
+              <a:spcBef>
+                <a:spcPct val="0"/>
+              </a:spcBef>
+              <a:spcAft>
+                <a:spcPct val="0"/>
+              </a:spcAft>
+              <a:buClrTx/>
+              <a:buSzTx/>
+              <a:buFontTx/>
+              <a:buChar char="•"/>
+              <a:tabLst/>
+            </a:pPr>
+            <a:r>
+              <a:rPr kumimoji="0" lang="en-US" altLang="en-US" sz="1800" b="1" i="0" u="none" strike="noStrike" cap="none" normalizeH="0" baseline="0" dirty="0" smtClean="0">
+                <a:ln>
+                  <a:noFill/>
+                </a:ln>
+                <a:solidFill>
+                  <a:schemeClr val="tx1"/>
+                </a:solidFill>
+                <a:effectLst/>
+                <a:latin typeface="Arial" panose="020B0604020202020204" pitchFamily="34" charset="0"/>
+              </a:rPr>
+              <a:t> 20% rise in </a:t>
+            </a:r>
+            <a:r>
+              <a:rPr kumimoji="0" lang="en-US" altLang="en-US" sz="1800" b="1" i="0" u="none" strike="noStrike" cap="none" normalizeH="0" baseline="0" dirty="0" smtClean="0">
+                <a:ln>
+                  <a:noFill/>
+                </a:ln>
+                <a:solidFill>
+                  <a:schemeClr val="tx1"/>
+                </a:solidFill>
+                <a:effectLst/>
+                <a:latin typeface="Arial" panose="020B0604020202020204" pitchFamily="34" charset="0"/>
+              </a:rPr>
+              <a:t>awareness.</a:t>
+            </a:r>
+            <a:endParaRPr kumimoji="0" lang="en-US" altLang="en-US" sz="1800" b="0" i="0" u="none" strike="noStrike" cap="none" normalizeH="0" baseline="0" dirty="0" smtClean="0">
+              <a:ln>
+                <a:noFill/>
+              </a:ln>
+              <a:solidFill>
+                <a:schemeClr val="tx1"/>
+              </a:solidFill>
+              <a:effectLst/>
+              <a:latin typeface="Arial" panose="020B0604020202020204" pitchFamily="34" charset="0"/>
+            </a:endParaRPr>
+          </a:p>
+          <a:p>
+            <a:pPr marL="0" marR="0" lvl="0" indent="0" algn="l" defTabSz="914400" rtl="0" eaLnBrk="0" fontAlgn="base" latinLnBrk="0" hangingPunct="0">
+              <a:lnSpc>
+                <a:spcPct val="100000"/>
+              </a:lnSpc>
+              <a:spcBef>
+                <a:spcPct val="0"/>
+              </a:spcBef>
+              <a:spcAft>
+                <a:spcPct val="0"/>
+              </a:spcAft>
+              <a:buClrTx/>
+              <a:buSzTx/>
+              <a:buFontTx/>
+              <a:buChar char="•"/>
+              <a:tabLst/>
+            </a:pPr>
+            <a:r>
+              <a:rPr kumimoji="0" lang="en-US" altLang="en-US" sz="1800" b="1" i="0" u="none" strike="noStrike" cap="none" normalizeH="0" baseline="0" dirty="0" smtClean="0">
+                <a:ln>
+                  <a:noFill/>
+                </a:ln>
+                <a:solidFill>
+                  <a:schemeClr val="tx1"/>
+                </a:solidFill>
+                <a:effectLst/>
+                <a:latin typeface="Arial" panose="020B0604020202020204" pitchFamily="34" charset="0"/>
+              </a:rPr>
+              <a:t> 80% </a:t>
+            </a:r>
+            <a:r>
+              <a:rPr kumimoji="0" lang="en-US" altLang="en-US" sz="1800" b="1" i="0" u="none" strike="noStrike" cap="none" normalizeH="0" baseline="0" dirty="0" smtClean="0">
+                <a:ln>
+                  <a:noFill/>
+                </a:ln>
+                <a:solidFill>
+                  <a:schemeClr val="tx1"/>
+                </a:solidFill>
+                <a:effectLst/>
+                <a:latin typeface="Arial" panose="020B0604020202020204" pitchFamily="34" charset="0"/>
+              </a:rPr>
+              <a:t>accuracy.</a:t>
+            </a:r>
+            <a:endParaRPr kumimoji="0" lang="en-US" altLang="en-US" sz="1800" b="0" i="0" u="none" strike="noStrike" cap="none" normalizeH="0" baseline="0" dirty="0" smtClean="0">
+              <a:ln>
+                <a:noFill/>
+              </a:ln>
+              <a:solidFill>
+                <a:schemeClr val="tx1"/>
+              </a:solidFill>
+              <a:effectLst/>
+              <a:latin typeface="Arial" panose="020B0604020202020204" pitchFamily="34" charset="0"/>
+            </a:endParaRPr>
+          </a:p>
+        </p:txBody>
+      </p:sp>
     </p:spTree>
   </p:cSld>
   <p:clrMapOvr>
@@ -7378,8 +7395,15 @@
                 <a:latin typeface="Arial" pitchFamily="34" charset="0"/>
                 <a:cs typeface="Arial" pitchFamily="34" charset="0"/>
               </a:rPr>
-              <a:t>Technically </a:t>
-            </a:r>
+              <a:t>Technically achievable. </a:t>
+            </a:r>
+          </a:p>
+          <a:p>
+            <a:pPr marL="457200" lvl="0" indent="-457200" algn="just">
+              <a:buFont typeface="Arial" panose="020B0604020202020204" pitchFamily="34" charset="0"/>
+              <a:buChar char="•"/>
+              <a:defRPr/>
+            </a:pPr>
             <a:r>
               <a:rPr lang="en-US" sz="2400" dirty="0" smtClean="0">
                 <a:solidFill>
@@ -7388,22 +7412,18 @@
                 <a:latin typeface="Arial" pitchFamily="34" charset="0"/>
                 <a:cs typeface="Arial" pitchFamily="34" charset="0"/>
               </a:rPr>
-              <a:t>achievable. </a:t>
-            </a:r>
-            <a:endParaRPr lang="en-US" sz="2400" dirty="0" smtClean="0">
-              <a:solidFill>
-                <a:prstClr val="black"/>
-              </a:solidFill>
-              <a:latin typeface="Arial" pitchFamily="34" charset="0"/>
-              <a:cs typeface="Arial" pitchFamily="34" charset="0"/>
-            </a:endParaRPr>
-          </a:p>
-          <a:p>
-            <a:pPr marL="457200" lvl="0" indent="-457200" algn="just">
-              <a:buFont typeface="Arial" panose="020B0604020202020204" pitchFamily="34" charset="0"/>
-              <a:buChar char="•"/>
-              <a:defRPr/>
-            </a:pPr>
+              <a:t>Works </a:t>
+            </a:r>
+            <a:r>
+              <a:rPr lang="en-US" sz="2400" dirty="0">
+                <a:solidFill>
+                  <a:prstClr val="black"/>
+                </a:solidFill>
+                <a:latin typeface="Arial" pitchFamily="34" charset="0"/>
+                <a:cs typeface="Arial" pitchFamily="34" charset="0"/>
+              </a:rPr>
+              <a:t>on smartphones and feature </a:t>
+            </a:r>
             <a:r>
               <a:rPr lang="en-US" sz="2400" dirty="0" smtClean="0">
                 <a:solidFill>
@@ -7412,45 +7432,8 @@
                 <a:latin typeface="Arial" pitchFamily="34" charset="0"/>
                 <a:cs typeface="Arial" pitchFamily="34" charset="0"/>
               </a:rPr>
-              <a:t>Works </a:t>
-            </a:r>
-            <a:r>
-              <a:rPr lang="en-US" sz="2400" dirty="0">
-                <a:solidFill>
-                  <a:prstClr val="black"/>
-                </a:solidFill>
-                <a:latin typeface="Arial" pitchFamily="34" charset="0"/>
-                <a:cs typeface="Arial" pitchFamily="34" charset="0"/>
-              </a:rPr>
-              <a:t>on smartphones and feature </a:t>
-            </a:r>
-            <a:r>
-              <a:rPr lang="en-US" sz="2400" dirty="0" smtClean="0">
-                <a:solidFill>
-                  <a:prstClr val="black"/>
-                </a:solidFill>
-                <a:latin typeface="Arial" pitchFamily="34" charset="0"/>
-                <a:cs typeface="Arial" pitchFamily="34" charset="0"/>
-              </a:rPr>
-              <a:t>phone</a:t>
-            </a:r>
-            <a:r>
-              <a:rPr lang="en-US" sz="2400" dirty="0" smtClean="0">
-                <a:solidFill>
-                  <a:prstClr val="black"/>
-                </a:solidFill>
-                <a:latin typeface="Arial" pitchFamily="34" charset="0"/>
-                <a:cs typeface="Arial" pitchFamily="34" charset="0"/>
-              </a:rPr>
-              <a:t>.</a:t>
-            </a:r>
-            <a:endParaRPr lang="en-US" sz="2400" dirty="0" smtClean="0">
-              <a:solidFill>
-                <a:prstClr val="black"/>
-              </a:solidFill>
-              <a:latin typeface="Arial" pitchFamily="34" charset="0"/>
-              <a:cs typeface="Arial" pitchFamily="34" charset="0"/>
-            </a:endParaRPr>
+              <a:t>phone.</a:t>
+            </a:r>
           </a:p>
           <a:p>
             <a:pPr marL="342900" lvl="0" indent="-342900" algn="just">
@@ -7530,8 +7513,15 @@
                 <a:latin typeface="Arial" pitchFamily="34" charset="0"/>
                 <a:cs typeface="Arial" pitchFamily="34" charset="0"/>
               </a:rPr>
-              <a:t>Low-cost </a:t>
-            </a:r>
+              <a:t>Low-cost deployment</a:t>
+            </a:r>
+          </a:p>
+          <a:p>
+            <a:pPr marL="342900" lvl="0" indent="-342900" algn="just">
+              <a:buFont typeface="Arial" panose="020B0604020202020204" pitchFamily="34" charset="0"/>
+              <a:buChar char="•"/>
+              <a:defRPr/>
+            </a:pPr>
             <a:r>
               <a:rPr lang="en-US" sz="2400" dirty="0" smtClean="0">
                 <a:solidFill>
@@ -7540,22 +7530,18 @@
                 <a:latin typeface="Arial" pitchFamily="34" charset="0"/>
                 <a:cs typeface="Arial" pitchFamily="34" charset="0"/>
               </a:rPr>
-              <a:t>deployment</a:t>
-            </a:r>
-            <a:endParaRPr lang="en-US" sz="2400" dirty="0" smtClean="0">
-              <a:solidFill>
-                <a:prstClr val="black"/>
-              </a:solidFill>
-              <a:latin typeface="Arial" pitchFamily="34" charset="0"/>
-              <a:cs typeface="Arial" pitchFamily="34" charset="0"/>
-            </a:endParaRPr>
-          </a:p>
-          <a:p>
-            <a:pPr marL="342900" lvl="0" indent="-342900" algn="just">
-              <a:buFont typeface="Arial" panose="020B0604020202020204" pitchFamily="34" charset="0"/>
-              <a:buChar char="•"/>
-              <a:defRPr/>
-            </a:pPr>
+              <a:t>High </a:t>
+            </a:r>
+            <a:r>
+              <a:rPr lang="en-US" sz="2400" dirty="0">
+                <a:solidFill>
+                  <a:prstClr val="black"/>
+                </a:solidFill>
+                <a:latin typeface="Arial" pitchFamily="34" charset="0"/>
+                <a:cs typeface="Arial" pitchFamily="34" charset="0"/>
+              </a:rPr>
+              <a:t>social </a:t>
+            </a:r>
             <a:r>
               <a:rPr lang="en-US" sz="2400" dirty="0" smtClean="0">
                 <a:solidFill>
@@ -7564,35 +7550,8 @@
                 <a:latin typeface="Arial" pitchFamily="34" charset="0"/>
                 <a:cs typeface="Arial" pitchFamily="34" charset="0"/>
               </a:rPr>
-              <a:t>High </a:t>
-            </a:r>
-            <a:r>
-              <a:rPr lang="en-US" sz="2400" dirty="0">
-                <a:solidFill>
-                  <a:prstClr val="black"/>
-                </a:solidFill>
-                <a:latin typeface="Arial" pitchFamily="34" charset="0"/>
-                <a:cs typeface="Arial" pitchFamily="34" charset="0"/>
-              </a:rPr>
-              <a:t>social </a:t>
-            </a:r>
-            <a:r>
-              <a:rPr lang="en-US" sz="2400" dirty="0" smtClean="0">
-                <a:solidFill>
-                  <a:prstClr val="black"/>
-                </a:solidFill>
-                <a:latin typeface="Arial" pitchFamily="34" charset="0"/>
-                <a:cs typeface="Arial" pitchFamily="34" charset="0"/>
-              </a:rPr>
               <a:t>impact.</a:t>
             </a:r>
-            <a:endParaRPr lang="en-US" sz="2400" dirty="0" smtClean="0">
-              <a:solidFill>
-                <a:prstClr val="black"/>
-              </a:solidFill>
-              <a:latin typeface="Arial" pitchFamily="34" charset="0"/>
-              <a:cs typeface="Arial" pitchFamily="34" charset="0"/>
-            </a:endParaRPr>
           </a:p>
           <a:p>
             <a:pPr marL="342900" lvl="0" indent="-342900" algn="just">
@@ -7808,7 +7767,7 @@
                 <a16:creationId xmlns:a16="http://schemas.microsoft.com/office/drawing/2014/main" id="{5DBCE864-823D-4A13-9607-5DA1F0ED5FB8}"/>
               </a:ext>
               <a:ext uri="{C183D7F6-B498-43B3-948B-1728B52AA6E4}">
-                <adec:decorative xmlns="" xmlns:adec="http://schemas.microsoft.com/office/drawing/2017/decorative" val="0"/>
+                <adec:decorative xmlns:adec="http://schemas.microsoft.com/office/drawing/2017/decorative" xmlns="" val="0"/>
               </a:ext>
             </a:extLst>
           </p:cNvPr>
@@ -8083,14 +8042,7 @@
                 <a:latin typeface="Arial" panose="020B0604020202020204" pitchFamily="34" charset="0"/>
                 <a:cs typeface="Arial" panose="020B0604020202020204" pitchFamily="34" charset="0"/>
               </a:rPr>
-              <a:t>Reduces the spread of false health </a:t>
-            </a:r>
-            <a:r>
-              <a:rPr lang="en-US" sz="2400" dirty="0" smtClean="0">
-                <a:latin typeface="Arial" panose="020B0604020202020204" pitchFamily="34" charset="0"/>
-                <a:cs typeface="Arial" panose="020B0604020202020204" pitchFamily="34" charset="0"/>
-              </a:rPr>
-              <a:t>information.</a:t>
+              <a:t>Reduces the spread of false health information.</a:t>
             </a:r>
           </a:p>
           <a:p>
@@ -8182,35 +8134,7 @@
                 <a:latin typeface="Arial" panose="020B0604020202020204" pitchFamily="34" charset="0"/>
                 <a:cs typeface="Arial" panose="020B0604020202020204" pitchFamily="34" charset="0"/>
               </a:rPr>
-              <a:t>Tracks </a:t>
-            </a:r>
-            <a:r>
-              <a:rPr lang="en-US" sz="2400" dirty="0" smtClean="0">
-                <a:latin typeface="Arial" panose="020B0604020202020204" pitchFamily="34" charset="0"/>
-                <a:cs typeface="Arial" panose="020B0604020202020204" pitchFamily="34" charset="0"/>
-              </a:rPr>
-              <a:t>user health over </a:t>
-            </a:r>
-            <a:r>
-              <a:rPr lang="en-US" sz="2400" dirty="0" smtClean="0">
-                <a:latin typeface="Arial" panose="020B0604020202020204" pitchFamily="34" charset="0"/>
-                <a:cs typeface="Arial" panose="020B0604020202020204" pitchFamily="34" charset="0"/>
-              </a:rPr>
-              <a:t>time.(avoi</a:t>
-            </a:r>
-            <a:r>
-              <a:rPr lang="en-US" sz="2400" dirty="0" smtClean="0">
-                <a:latin typeface="Arial" panose="020B0604020202020204" pitchFamily="34" charset="0"/>
-                <a:cs typeface="Arial" panose="020B0604020202020204" pitchFamily="34" charset="0"/>
-              </a:rPr>
-              <a:t>d unnecessary hospital visits</a:t>
-            </a:r>
-            <a:r>
-              <a:rPr lang="en-US" sz="2400" dirty="0" smtClean="0">
-                <a:latin typeface="Arial" panose="020B0604020202020204" pitchFamily="34" charset="0"/>
-                <a:cs typeface="Arial" panose="020B0604020202020204" pitchFamily="34" charset="0"/>
-              </a:rPr>
-              <a:t>)</a:t>
+              <a:t>Tracks user health over time.(avoid unnecessary hospital visits)</a:t>
             </a:r>
           </a:p>
           <a:p>
@@ -8236,17 +8160,7 @@
                 <a:latin typeface="Arial" pitchFamily="34" charset="0"/>
                 <a:cs typeface="Arial" pitchFamily="34" charset="0"/>
               </a:rPr>
-              <a:t>time and </a:t>
-            </a:r>
-            <a:r>
-              <a:rPr lang="en-US" sz="2400" b="1" dirty="0" smtClean="0">
-                <a:solidFill>
-                  <a:prstClr val="black"/>
-                </a:solidFill>
-                <a:latin typeface="Arial" pitchFamily="34" charset="0"/>
-                <a:cs typeface="Arial" pitchFamily="34" charset="0"/>
-              </a:rPr>
-              <a:t>cost.</a:t>
+              <a:t>time and cost.</a:t>
             </a:r>
             <a:endParaRPr lang="en-US" sz="2400" dirty="0" smtClean="0">
               <a:solidFill>
@@ -8301,14 +8215,7 @@
                 <a:latin typeface="Arial" panose="020B0604020202020204" pitchFamily="34" charset="0"/>
                 <a:cs typeface="Arial" panose="020B0604020202020204" pitchFamily="34" charset="0"/>
               </a:rPr>
-              <a:t>safe</a:t>
-            </a:r>
-            <a:r>
-              <a:rPr lang="en-US" sz="2400" dirty="0" smtClean="0">
-                <a:latin typeface="Arial" panose="020B0604020202020204" pitchFamily="34" charset="0"/>
-                <a:cs typeface="Arial" panose="020B0604020202020204" pitchFamily="34" charset="0"/>
-              </a:rPr>
-              <a:t>.</a:t>
+              <a:t>safe.</a:t>
             </a:r>
           </a:p>
         </p:txBody>
@@ -8475,7 +8382,7 @@
                 <a16:creationId xmlns:a16="http://schemas.microsoft.com/office/drawing/2014/main" id="{5DBCE864-823D-4A13-9607-5DA1F0ED5FB8}"/>
               </a:ext>
               <a:ext uri="{C183D7F6-B498-43B3-948B-1728B52AA6E4}">
-                <adec:decorative xmlns="" xmlns:adec="http://schemas.microsoft.com/office/drawing/2017/decorative" val="0"/>
+                <adec:decorative xmlns:adec="http://schemas.microsoft.com/office/drawing/2017/decorative" xmlns="" val="0"/>
               </a:ext>
             </a:extLst>
           </p:cNvPr>
@@ -8908,7 +8815,7 @@
                 <a16:creationId xmlns:a16="http://schemas.microsoft.com/office/drawing/2014/main" id="{5DBCE864-823D-4A13-9607-5DA1F0ED5FB8}"/>
               </a:ext>
               <a:ext uri="{C183D7F6-B498-43B3-948B-1728B52AA6E4}">
-                <adec:decorative xmlns="" xmlns:adec="http://schemas.microsoft.com/office/drawing/2017/decorative" val="0"/>
+                <adec:decorative xmlns:adec="http://schemas.microsoft.com/office/drawing/2017/decorative" xmlns="" val="0"/>
               </a:ext>
             </a:extLst>
           </p:cNvPr>

--- a/Smart India Hackathon 2025 Altered.pptx
+++ b/Smart India Hackathon 2025 Altered.pptx
@@ -4673,7 +4673,7 @@
                 <a16:creationId xmlns:a16="http://schemas.microsoft.com/office/drawing/2014/main" id="{3E443FD7-A66B-4AA0-872D-B088B9BC5F17}"/>
               </a:ext>
               <a:ext uri="{C183D7F6-B498-43B3-948B-1728B52AA6E4}">
-                <adec:decorative xmlns:adec="http://schemas.microsoft.com/office/drawing/2017/decorative" xmlns="" val="1"/>
+                <adec:decorative xmlns="" xmlns:adec="http://schemas.microsoft.com/office/drawing/2017/decorative" val="1"/>
               </a:ext>
             </a:extLst>
           </p:cNvPr>
@@ -4733,7 +4733,7 @@
                 <a16:creationId xmlns:a16="http://schemas.microsoft.com/office/drawing/2014/main" id="{C04BE0EF-3561-49B4-9A29-F283168A91C7}"/>
               </a:ext>
               <a:ext uri="{C183D7F6-B498-43B3-948B-1728B52AA6E4}">
-                <adec:decorative xmlns:adec="http://schemas.microsoft.com/office/drawing/2017/decorative" xmlns="" val="1"/>
+                <adec:decorative xmlns="" xmlns:adec="http://schemas.microsoft.com/office/drawing/2017/decorative" val="1"/>
               </a:ext>
             </a:extLst>
           </p:cNvPr>
@@ -6050,7 +6050,7 @@
                 <a16:creationId xmlns:a16="http://schemas.microsoft.com/office/drawing/2014/main" id="{5DBCE864-823D-4A13-9607-5DA1F0ED5FB8}"/>
               </a:ext>
               <a:ext uri="{C183D7F6-B498-43B3-948B-1728B52AA6E4}">
-                <adec:decorative xmlns:adec="http://schemas.microsoft.com/office/drawing/2017/decorative" xmlns="" val="0"/>
+                <adec:decorative xmlns="" xmlns:adec="http://schemas.microsoft.com/office/drawing/2017/decorative" val="0"/>
               </a:ext>
             </a:extLst>
           </p:cNvPr>
@@ -6178,7 +6178,7 @@
         <p:spPr>
           <a:xfrm>
             <a:off x="568036" y="1469244"/>
-            <a:ext cx="6345382" cy="4339650"/>
+            <a:ext cx="6054437" cy="5570756"/>
           </a:xfrm>
           <a:prstGeom prst="rect">
             <a:avLst/>
@@ -6225,8 +6225,20 @@
               <a:rPr lang="en-US" sz="2000" dirty="0" smtClean="0">
                 <a:latin typeface="Arial" panose="020B0604020202020204" pitchFamily="34" charset="0"/>
               </a:rPr>
-              <a:t>AI analyzes the message using smart language processing.</a:t>
-            </a:r>
+              <a:t>AI analyzes the message using smart language processing</a:t>
+            </a:r>
+            <a:r>
+              <a:rPr lang="en-US" sz="2000" dirty="0" smtClean="0">
+                <a:latin typeface="Arial" panose="020B0604020202020204" pitchFamily="34" charset="0"/>
+              </a:rPr>
+              <a:t>.</a:t>
+            </a:r>
+          </a:p>
+          <a:p>
+            <a:pPr lvl="0" defTabSz="914400" eaLnBrk="0" hangingPunct="0"/>
+            <a:endParaRPr lang="en-US" sz="2000" dirty="0" smtClean="0">
+              <a:latin typeface="Arial" panose="020B0604020202020204" pitchFamily="34" charset="0"/>
+            </a:endParaRPr>
           </a:p>
           <a:p>
             <a:pPr marL="342900" lvl="0" indent="-342900" defTabSz="914400" eaLnBrk="0" hangingPunct="0">
@@ -6237,8 +6249,20 @@
               <a:rPr lang="en-US" sz="2000" dirty="0" smtClean="0">
                 <a:latin typeface="Arial" panose="020B0604020202020204" pitchFamily="34" charset="0"/>
               </a:rPr>
-              <a:t>Supports local languages and voice input for easy use.</a:t>
-            </a:r>
+              <a:t>Supports local languages and voice input for easy use</a:t>
+            </a:r>
+            <a:r>
+              <a:rPr lang="en-US" sz="2000" dirty="0" smtClean="0">
+                <a:latin typeface="Arial" panose="020B0604020202020204" pitchFamily="34" charset="0"/>
+              </a:rPr>
+              <a:t>.</a:t>
+            </a:r>
+          </a:p>
+          <a:p>
+            <a:pPr lvl="0" defTabSz="914400" eaLnBrk="0" hangingPunct="0"/>
+            <a:endParaRPr lang="en-US" sz="2000" dirty="0" smtClean="0">
+              <a:latin typeface="Arial" panose="020B0604020202020204" pitchFamily="34" charset="0"/>
+            </a:endParaRPr>
           </a:p>
           <a:p>
             <a:pPr marL="342900" indent="-342900" defTabSz="914400" eaLnBrk="0" hangingPunct="0">
@@ -6249,8 +6273,20 @@
               <a:rPr lang="en-US" sz="2000" dirty="0" smtClean="0">
                 <a:latin typeface="Arial" panose="020B0604020202020204" pitchFamily="34" charset="0"/>
               </a:rPr>
-              <a:t>User either types or speaks about their health issue.</a:t>
-            </a:r>
+              <a:t>User either types or speaks about their health issue</a:t>
+            </a:r>
+            <a:r>
+              <a:rPr lang="en-US" sz="2000" dirty="0" smtClean="0">
+                <a:latin typeface="Arial" panose="020B0604020202020204" pitchFamily="34" charset="0"/>
+              </a:rPr>
+              <a:t>.</a:t>
+            </a:r>
+          </a:p>
+          <a:p>
+            <a:pPr defTabSz="914400" eaLnBrk="0" hangingPunct="0"/>
+            <a:endParaRPr lang="en-US" sz="2000" dirty="0" smtClean="0">
+              <a:latin typeface="Arial" panose="020B0604020202020204" pitchFamily="34" charset="0"/>
+            </a:endParaRPr>
           </a:p>
           <a:p>
             <a:pPr marL="342900" indent="-342900" defTabSz="914400" eaLnBrk="0" hangingPunct="0">
@@ -6269,11 +6305,26 @@
               <a:buFont typeface="Arial" panose="020B0604020202020204" pitchFamily="34" charset="0"/>
               <a:buChar char="•"/>
             </a:pPr>
+            <a:endParaRPr lang="en-US" sz="2000" dirty="0" smtClean="0">
+              <a:latin typeface="Arial" panose="020B0604020202020204" pitchFamily="34" charset="0"/>
+            </a:endParaRPr>
+          </a:p>
+          <a:p>
+            <a:pPr marL="342900" indent="-342900" defTabSz="914400" eaLnBrk="0" hangingPunct="0">
+              <a:buFont typeface="Arial" panose="020B0604020202020204" pitchFamily="34" charset="0"/>
+              <a:buChar char="•"/>
+            </a:pPr>
             <a:r>
               <a:rPr lang="en-US" sz="2000" dirty="0" smtClean="0">
                 <a:latin typeface="Arial" panose="020B0604020202020204" pitchFamily="34" charset="0"/>
               </a:rPr>
-              <a:t>Tracks user health over time and give periodic reports.</a:t>
+              <a:t>Tracks </a:t>
+            </a:r>
+            <a:r>
+              <a:rPr lang="en-US" sz="2000" dirty="0" smtClean="0">
+                <a:latin typeface="Arial" panose="020B0604020202020204" pitchFamily="34" charset="0"/>
+              </a:rPr>
+              <a:t>user health over time and give periodic reports.</a:t>
             </a:r>
           </a:p>
           <a:p>
@@ -6443,7 +6494,7 @@
             </a:pPr>
             <a:r>
               <a:rPr lang="en-IN" dirty="0" smtClean="0"/>
-              <a:t>Explainable AI</a:t>
+              <a:t>A simple Communication</a:t>
             </a:r>
             <a:endParaRPr lang="en-IN" dirty="0"/>
           </a:p>
@@ -6468,12 +6519,8 @@
               <a:buChar char="•"/>
             </a:pPr>
             <a:r>
-              <a:rPr lang="en-IN" dirty="0"/>
-              <a:t>Hybrid </a:t>
-            </a:r>
-            <a:r>
-              <a:rPr lang="en-IN" dirty="0" smtClean="0"/>
-              <a:t>Support</a:t>
+              <a:rPr lang="en-US" dirty="0" smtClean="0"/>
+              <a:t>Efficient Support</a:t>
             </a:r>
             <a:endParaRPr lang="en-IN" dirty="0"/>
           </a:p>
@@ -6696,7 +6743,7 @@
                 <a16:creationId xmlns:a16="http://schemas.microsoft.com/office/drawing/2014/main" id="{5DBCE864-823D-4A13-9607-5DA1F0ED5FB8}"/>
               </a:ext>
               <a:ext uri="{C183D7F6-B498-43B3-948B-1728B52AA6E4}">
-                <adec:decorative xmlns:adec="http://schemas.microsoft.com/office/drawing/2017/decorative" xmlns="" val="0"/>
+                <adec:decorative xmlns="" xmlns:adec="http://schemas.microsoft.com/office/drawing/2017/decorative" val="0"/>
               </a:ext>
             </a:extLst>
           </p:cNvPr>
@@ -7107,20 +7154,7 @@
                 <a:effectLst/>
                 <a:latin typeface="Arial" panose="020B0604020202020204" pitchFamily="34" charset="0"/>
               </a:rPr>
-              <a:t> 20% rise in </a:t>
-            </a:r>
-            <a:r>
-              <a:rPr kumimoji="0" lang="en-US" altLang="en-US" sz="1800" b="1" i="0" u="none" strike="noStrike" cap="none" normalizeH="0" baseline="0" dirty="0" smtClean="0">
-                <a:ln>
-                  <a:noFill/>
-                </a:ln>
-                <a:solidFill>
-                  <a:schemeClr val="tx1"/>
-                </a:solidFill>
-                <a:effectLst/>
-                <a:latin typeface="Arial" panose="020B0604020202020204" pitchFamily="34" charset="0"/>
-              </a:rPr>
-              <a:t>awareness.</a:t>
+              <a:t> 20% rise in awareness.</a:t>
             </a:r>
             <a:endParaRPr kumimoji="0" lang="en-US" altLang="en-US" sz="1800" b="0" i="0" u="none" strike="noStrike" cap="none" normalizeH="0" baseline="0" dirty="0" smtClean="0">
               <a:ln>
@@ -7161,20 +7195,7 @@
                 <a:effectLst/>
                 <a:latin typeface="Arial" panose="020B0604020202020204" pitchFamily="34" charset="0"/>
               </a:rPr>
-              <a:t> 80% </a:t>
-            </a:r>
-            <a:r>
-              <a:rPr kumimoji="0" lang="en-US" altLang="en-US" sz="1800" b="1" i="0" u="none" strike="noStrike" cap="none" normalizeH="0" baseline="0" dirty="0" smtClean="0">
-                <a:ln>
-                  <a:noFill/>
-                </a:ln>
-                <a:solidFill>
-                  <a:schemeClr val="tx1"/>
-                </a:solidFill>
-                <a:effectLst/>
-                <a:latin typeface="Arial" panose="020B0604020202020204" pitchFamily="34" charset="0"/>
-              </a:rPr>
-              <a:t>accuracy.</a:t>
+              <a:t> 80% accuracy.</a:t>
             </a:r>
             <a:endParaRPr kumimoji="0" lang="en-US" altLang="en-US" sz="1800" b="0" i="0" u="none" strike="noStrike" cap="none" normalizeH="0" baseline="0" dirty="0" smtClean="0">
               <a:ln>
@@ -7767,7 +7788,7 @@
                 <a16:creationId xmlns:a16="http://schemas.microsoft.com/office/drawing/2014/main" id="{5DBCE864-823D-4A13-9607-5DA1F0ED5FB8}"/>
               </a:ext>
               <a:ext uri="{C183D7F6-B498-43B3-948B-1728B52AA6E4}">
-                <adec:decorative xmlns:adec="http://schemas.microsoft.com/office/drawing/2017/decorative" xmlns="" val="0"/>
+                <adec:decorative xmlns="" xmlns:adec="http://schemas.microsoft.com/office/drawing/2017/decorative" val="0"/>
               </a:ext>
             </a:extLst>
           </p:cNvPr>
@@ -8382,7 +8403,7 @@
                 <a16:creationId xmlns:a16="http://schemas.microsoft.com/office/drawing/2014/main" id="{5DBCE864-823D-4A13-9607-5DA1F0ED5FB8}"/>
               </a:ext>
               <a:ext uri="{C183D7F6-B498-43B3-948B-1728B52AA6E4}">
-                <adec:decorative xmlns:adec="http://schemas.microsoft.com/office/drawing/2017/decorative" xmlns="" val="0"/>
+                <adec:decorative xmlns="" xmlns:adec="http://schemas.microsoft.com/office/drawing/2017/decorative" val="0"/>
               </a:ext>
             </a:extLst>
           </p:cNvPr>
@@ -8815,7 +8836,7 @@
                 <a16:creationId xmlns:a16="http://schemas.microsoft.com/office/drawing/2014/main" id="{5DBCE864-823D-4A13-9607-5DA1F0ED5FB8}"/>
               </a:ext>
               <a:ext uri="{C183D7F6-B498-43B3-948B-1728B52AA6E4}">
-                <adec:decorative xmlns:adec="http://schemas.microsoft.com/office/drawing/2017/decorative" xmlns="" val="0"/>
+                <adec:decorative xmlns="" xmlns:adec="http://schemas.microsoft.com/office/drawing/2017/decorative" val="0"/>
               </a:ext>
             </a:extLst>
           </p:cNvPr>

--- a/Smart India Hackathon 2025 Altered.pptx
+++ b/Smart India Hackathon 2025 Altered.pptx
@@ -8035,7 +8035,7 @@
         <p:spPr bwMode="auto">
           <a:xfrm>
             <a:off x="925517" y="1658896"/>
-            <a:ext cx="9511594" cy="2308324"/>
+            <a:ext cx="9511594" cy="4154984"/>
           </a:xfrm>
           <a:prstGeom prst="rect">
             <a:avLst/>
@@ -8063,7 +8063,14 @@
                 <a:latin typeface="Arial" panose="020B0604020202020204" pitchFamily="34" charset="0"/>
                 <a:cs typeface="Arial" panose="020B0604020202020204" pitchFamily="34" charset="0"/>
               </a:rPr>
-              <a:t>Reduces the spread of false health information.</a:t>
+              <a:t>Reduces </a:t>
+            </a:r>
+            <a:r>
+              <a:rPr lang="en-US" sz="2400" dirty="0" smtClean="0">
+                <a:latin typeface="Arial" panose="020B0604020202020204" pitchFamily="34" charset="0"/>
+                <a:cs typeface="Arial" panose="020B0604020202020204" pitchFamily="34" charset="0"/>
+              </a:rPr>
+              <a:t>the spread of false health information.</a:t>
             </a:r>
           </a:p>
           <a:p>
@@ -8071,6 +8078,16 @@
               <a:buFont typeface="Arial" panose="020B0604020202020204" pitchFamily="34" charset="0"/>
               <a:buChar char="•"/>
             </a:pPr>
+            <a:endParaRPr lang="en-US" sz="2400" dirty="0" smtClean="0">
+              <a:latin typeface="Arial" panose="020B0604020202020204" pitchFamily="34" charset="0"/>
+              <a:cs typeface="Arial" panose="020B0604020202020204" pitchFamily="34" charset="0"/>
+            </a:endParaRPr>
+          </a:p>
+          <a:p>
+            <a:pPr marL="457200" lvl="0" indent="-457200" defTabSz="914400" eaLnBrk="0" hangingPunct="0">
+              <a:buFont typeface="Arial" panose="020B0604020202020204" pitchFamily="34" charset="0"/>
+              <a:buChar char="•"/>
+            </a:pPr>
             <a:r>
               <a:rPr lang="en-US" sz="2400" dirty="0" smtClean="0">
                 <a:latin typeface="Arial" panose="020B0604020202020204" pitchFamily="34" charset="0"/>
@@ -8102,48 +8119,10 @@
               <a:buFont typeface="Arial" panose="020B0604020202020204" pitchFamily="34" charset="0"/>
               <a:buChar char="•"/>
             </a:pPr>
-            <a:r>
-              <a:rPr lang="en-US" sz="2400" dirty="0">
-                <a:latin typeface="Arial" panose="020B0604020202020204" pitchFamily="34" charset="0"/>
-                <a:cs typeface="Arial" panose="020B0604020202020204" pitchFamily="34" charset="0"/>
-              </a:rPr>
-              <a:t>Supports </a:t>
-            </a:r>
-            <a:r>
-              <a:rPr lang="en-US" sz="2400" b="1" dirty="0">
-                <a:latin typeface="Arial" panose="020B0604020202020204" pitchFamily="34" charset="0"/>
-                <a:cs typeface="Arial" panose="020B0604020202020204" pitchFamily="34" charset="0"/>
-              </a:rPr>
-              <a:t>local languages </a:t>
-            </a:r>
-            <a:r>
-              <a:rPr lang="en-US" sz="2400" dirty="0">
-                <a:latin typeface="Arial" panose="020B0604020202020204" pitchFamily="34" charset="0"/>
-                <a:cs typeface="Arial" panose="020B0604020202020204" pitchFamily="34" charset="0"/>
-              </a:rPr>
-              <a:t>and </a:t>
-            </a:r>
-            <a:r>
-              <a:rPr lang="en-US" sz="2400" b="1" dirty="0">
-                <a:latin typeface="Arial" panose="020B0604020202020204" pitchFamily="34" charset="0"/>
-                <a:cs typeface="Arial" panose="020B0604020202020204" pitchFamily="34" charset="0"/>
-              </a:rPr>
-              <a:t>voice</a:t>
-            </a:r>
-            <a:r>
-              <a:rPr lang="en-US" sz="2400" dirty="0">
-                <a:latin typeface="Arial" panose="020B0604020202020204" pitchFamily="34" charset="0"/>
-                <a:cs typeface="Arial" panose="020B0604020202020204" pitchFamily="34" charset="0"/>
-              </a:rPr>
-              <a:t> </a:t>
-            </a:r>
-            <a:r>
-              <a:rPr lang="en-US" sz="2400" dirty="0" smtClean="0">
-                <a:latin typeface="Arial" panose="020B0604020202020204" pitchFamily="34" charset="0"/>
-                <a:cs typeface="Arial" panose="020B0604020202020204" pitchFamily="34" charset="0"/>
-              </a:rPr>
-              <a:t>input.</a:t>
-            </a:r>
+            <a:endParaRPr lang="en-US" sz="2400" dirty="0" smtClean="0">
+              <a:latin typeface="Arial" panose="020B0604020202020204" pitchFamily="34" charset="0"/>
+              <a:cs typeface="Arial" panose="020B0604020202020204" pitchFamily="34" charset="0"/>
+            </a:endParaRPr>
           </a:p>
           <a:p>
             <a:pPr marL="457200" lvl="0" indent="-457200" defTabSz="914400" eaLnBrk="0" hangingPunct="0">
@@ -8155,8 +8134,86 @@
                 <a:latin typeface="Arial" panose="020B0604020202020204" pitchFamily="34" charset="0"/>
                 <a:cs typeface="Arial" panose="020B0604020202020204" pitchFamily="34" charset="0"/>
               </a:rPr>
-              <a:t>Tracks user health over time.(avoid unnecessary hospital visits)</a:t>
-            </a:r>
+              <a:t>Supports </a:t>
+            </a:r>
+            <a:r>
+              <a:rPr lang="en-US" sz="2400" b="1" dirty="0">
+                <a:latin typeface="Arial" panose="020B0604020202020204" pitchFamily="34" charset="0"/>
+                <a:cs typeface="Arial" panose="020B0604020202020204" pitchFamily="34" charset="0"/>
+              </a:rPr>
+              <a:t>local languages </a:t>
+            </a:r>
+            <a:r>
+              <a:rPr lang="en-US" sz="2400" dirty="0">
+                <a:latin typeface="Arial" panose="020B0604020202020204" pitchFamily="34" charset="0"/>
+                <a:cs typeface="Arial" panose="020B0604020202020204" pitchFamily="34" charset="0"/>
+              </a:rPr>
+              <a:t>and </a:t>
+            </a:r>
+            <a:r>
+              <a:rPr lang="en-US" sz="2400" b="1" dirty="0">
+                <a:latin typeface="Arial" panose="020B0604020202020204" pitchFamily="34" charset="0"/>
+                <a:cs typeface="Arial" panose="020B0604020202020204" pitchFamily="34" charset="0"/>
+              </a:rPr>
+              <a:t>voice</a:t>
+            </a:r>
+            <a:r>
+              <a:rPr lang="en-US" sz="2400" dirty="0">
+                <a:latin typeface="Arial" panose="020B0604020202020204" pitchFamily="34" charset="0"/>
+                <a:cs typeface="Arial" panose="020B0604020202020204" pitchFamily="34" charset="0"/>
+              </a:rPr>
+              <a:t> </a:t>
+            </a:r>
+            <a:r>
+              <a:rPr lang="en-US" sz="2400" dirty="0" smtClean="0">
+                <a:latin typeface="Arial" panose="020B0604020202020204" pitchFamily="34" charset="0"/>
+                <a:cs typeface="Arial" panose="020B0604020202020204" pitchFamily="34" charset="0"/>
+              </a:rPr>
+              <a:t>input.</a:t>
+            </a:r>
+          </a:p>
+          <a:p>
+            <a:pPr marL="457200" lvl="0" indent="-457200" defTabSz="914400" eaLnBrk="0" hangingPunct="0">
+              <a:buFont typeface="Arial" panose="020B0604020202020204" pitchFamily="34" charset="0"/>
+              <a:buChar char="•"/>
+            </a:pPr>
+            <a:endParaRPr lang="en-US" sz="2400" dirty="0" smtClean="0">
+              <a:latin typeface="Arial" panose="020B0604020202020204" pitchFamily="34" charset="0"/>
+              <a:cs typeface="Arial" panose="020B0604020202020204" pitchFamily="34" charset="0"/>
+            </a:endParaRPr>
+          </a:p>
+          <a:p>
+            <a:pPr marL="457200" lvl="0" indent="-457200" defTabSz="914400" eaLnBrk="0" hangingPunct="0">
+              <a:buFont typeface="Arial" panose="020B0604020202020204" pitchFamily="34" charset="0"/>
+              <a:buChar char="•"/>
+            </a:pPr>
+            <a:r>
+              <a:rPr lang="en-US" sz="2400" dirty="0" smtClean="0">
+                <a:latin typeface="Arial" panose="020B0604020202020204" pitchFamily="34" charset="0"/>
+                <a:cs typeface="Arial" panose="020B0604020202020204" pitchFamily="34" charset="0"/>
+              </a:rPr>
+              <a:t>Tracks </a:t>
+            </a:r>
+            <a:r>
+              <a:rPr lang="en-US" sz="2400" dirty="0" smtClean="0">
+                <a:latin typeface="Arial" panose="020B0604020202020204" pitchFamily="34" charset="0"/>
+                <a:cs typeface="Arial" panose="020B0604020202020204" pitchFamily="34" charset="0"/>
+              </a:rPr>
+              <a:t>user health over time.(avoid unnecessary hospital visits)</a:t>
+            </a:r>
+          </a:p>
+          <a:p>
+            <a:pPr marL="457200" lvl="0" indent="-457200" defTabSz="914400" eaLnBrk="0" hangingPunct="0">
+              <a:buFont typeface="Arial" panose="020B0604020202020204" pitchFamily="34" charset="0"/>
+              <a:buChar char="•"/>
+            </a:pPr>
+            <a:endParaRPr lang="en-US" sz="2400" dirty="0" smtClean="0">
+              <a:solidFill>
+                <a:prstClr val="black"/>
+              </a:solidFill>
+              <a:latin typeface="Arial" pitchFamily="34" charset="0"/>
+              <a:cs typeface="Arial" pitchFamily="34" charset="0"/>
+            </a:endParaRPr>
           </a:p>
           <a:p>
             <a:pPr marL="457200" lvl="0" indent="-457200" defTabSz="914400" eaLnBrk="0" hangingPunct="0">
@@ -8189,6 +8246,16 @@
               </a:solidFill>
               <a:latin typeface="Arial" pitchFamily="34" charset="0"/>
               <a:cs typeface="Arial" pitchFamily="34" charset="0"/>
+            </a:endParaRPr>
+          </a:p>
+          <a:p>
+            <a:pPr marL="457200" lvl="0" indent="-457200" defTabSz="914400" eaLnBrk="0" hangingPunct="0">
+              <a:buFont typeface="Arial" panose="020B0604020202020204" pitchFamily="34" charset="0"/>
+              <a:buChar char="•"/>
+            </a:pPr>
+            <a:endParaRPr lang="en-US" sz="2400" dirty="0" smtClean="0">
+              <a:latin typeface="Arial" panose="020B0604020202020204" pitchFamily="34" charset="0"/>
+              <a:cs typeface="Arial" panose="020B0604020202020204" pitchFamily="34" charset="0"/>
             </a:endParaRPr>
           </a:p>
           <a:p>

--- a/Smart India Hackathon 2025 Altered.pptx
+++ b/Smart India Hackathon 2025 Altered.pptx
@@ -261,7 +261,7 @@
             <a:fld id="{C4D5ADD5-2BBC-4A94-8F86-D9013941F742}" type="datetimeFigureOut">
               <a:rPr lang="en-US"/>
               <a:pPr/>
-              <a:t>9/18/2025</a:t>
+              <a:t>9/19/2025</a:t>
             </a:fld>
             <a:endParaRPr lang="en-US"/>
           </a:p>
@@ -1534,7 +1534,7 @@
           <a:p>
             <a:fld id="{E60792E3-D524-454C-8AFD-A91972900BCB}" type="datetime1">
               <a:rPr lang="en-US" smtClean="0"/>
-              <a:t>9/18/2025</a:t>
+              <a:t>9/19/2025</a:t>
             </a:fld>
             <a:endParaRPr lang="en-US"/>
           </a:p>
@@ -1716,7 +1716,7 @@
           <a:p>
             <a:fld id="{053C3A68-6922-42D3-8905-ECC2D82A3469}" type="datetime1">
               <a:rPr lang="en-US" smtClean="0"/>
-              <a:t>9/18/2025</a:t>
+              <a:t>9/19/2025</a:t>
             </a:fld>
             <a:endParaRPr lang="en-US"/>
           </a:p>
@@ -1908,7 +1908,7 @@
           <a:p>
             <a:fld id="{CB69E9F4-7604-4950-A8B2-8ACDEDB1506E}" type="datetime1">
               <a:rPr lang="en-US" smtClean="0"/>
-              <a:t>9/18/2025</a:t>
+              <a:t>9/19/2025</a:t>
             </a:fld>
             <a:endParaRPr lang="en-US"/>
           </a:p>
@@ -2090,7 +2090,7 @@
           <a:p>
             <a:fld id="{708B7524-32A2-4C20-A58C-BC3BAA1042FC}" type="datetime1">
               <a:rPr lang="en-US" smtClean="0"/>
-              <a:t>9/18/2025</a:t>
+              <a:t>9/19/2025</a:t>
             </a:fld>
             <a:endParaRPr lang="en-US"/>
           </a:p>
@@ -2349,7 +2349,7 @@
           <a:p>
             <a:fld id="{1E994447-D6B2-43BB-A877-57F1A267B999}" type="datetime1">
               <a:rPr lang="en-US" smtClean="0"/>
-              <a:t>9/18/2025</a:t>
+              <a:t>9/19/2025</a:t>
             </a:fld>
             <a:endParaRPr lang="en-US"/>
           </a:p>
@@ -2648,7 +2648,7 @@
           <a:p>
             <a:fld id="{68920E16-BD35-483C-AA6B-346FC7E46DEA}" type="datetime1">
               <a:rPr lang="en-US" smtClean="0"/>
-              <a:t>9/18/2025</a:t>
+              <a:t>9/19/2025</a:t>
             </a:fld>
             <a:endParaRPr lang="en-US"/>
           </a:p>
@@ -3081,7 +3081,7 @@
           <a:p>
             <a:fld id="{2FEAC6F8-5103-4FC0-A69E-5C6AE6469DA8}" type="datetime1">
               <a:rPr lang="en-US" smtClean="0"/>
-              <a:t>9/18/2025</a:t>
+              <a:t>9/19/2025</a:t>
             </a:fld>
             <a:endParaRPr lang="en-US"/>
           </a:p>
@@ -3212,7 +3212,7 @@
           <a:p>
             <a:fld id="{C60C6921-0627-4C8F-83D5-0CF936D2FFDD}" type="datetime1">
               <a:rPr lang="en-US" smtClean="0"/>
-              <a:t>9/18/2025</a:t>
+              <a:t>9/19/2025</a:t>
             </a:fld>
             <a:endParaRPr lang="en-US"/>
           </a:p>
@@ -3321,7 +3321,7 @@
           <a:p>
             <a:fld id="{2FF08AD7-8103-40F8-983C-E2BA6BB9CBE0}" type="datetime1">
               <a:rPr lang="en-US" smtClean="0"/>
-              <a:t>9/18/2025</a:t>
+              <a:t>9/19/2025</a:t>
             </a:fld>
             <a:endParaRPr lang="en-US"/>
           </a:p>
@@ -3610,7 +3610,7 @@
           <a:p>
             <a:fld id="{DF8C06B4-9380-4A4D-AF49-A3596E17DAF5}" type="datetime1">
               <a:rPr lang="en-US" smtClean="0"/>
-              <a:t>9/18/2025</a:t>
+              <a:t>9/19/2025</a:t>
             </a:fld>
             <a:endParaRPr lang="en-US"/>
           </a:p>
@@ -3879,7 +3879,7 @@
           <a:p>
             <a:fld id="{EF7FDEF1-C582-4E22-9E77-D68326471F28}" type="datetime1">
               <a:rPr lang="en-US" smtClean="0"/>
-              <a:t>9/18/2025</a:t>
+              <a:t>9/19/2025</a:t>
             </a:fld>
             <a:endParaRPr lang="en-US"/>
           </a:p>
@@ -4122,7 +4122,7 @@
           <a:p>
             <a:fld id="{780A9602-A9A9-453F-AEF1-37B5837E02CD}" type="datetime1">
               <a:rPr lang="en-US" smtClean="0"/>
-              <a:t>9/18/2025</a:t>
+              <a:t>9/19/2025</a:t>
             </a:fld>
             <a:endParaRPr lang="en-US"/>
           </a:p>
@@ -4673,7 +4673,7 @@
                 <a16:creationId xmlns:a16="http://schemas.microsoft.com/office/drawing/2014/main" id="{3E443FD7-A66B-4AA0-872D-B088B9BC5F17}"/>
               </a:ext>
               <a:ext uri="{C183D7F6-B498-43B3-948B-1728B52AA6E4}">
-                <adec:decorative xmlns="" xmlns:adec="http://schemas.microsoft.com/office/drawing/2017/decorative" val="1"/>
+                <adec:decorative xmlns:adec="http://schemas.microsoft.com/office/drawing/2017/decorative" xmlns="" val="1"/>
               </a:ext>
             </a:extLst>
           </p:cNvPr>
@@ -4733,7 +4733,7 @@
                 <a16:creationId xmlns:a16="http://schemas.microsoft.com/office/drawing/2014/main" id="{C04BE0EF-3561-49B4-9A29-F283168A91C7}"/>
               </a:ext>
               <a:ext uri="{C183D7F6-B498-43B3-948B-1728B52AA6E4}">
-                <adec:decorative xmlns="" xmlns:adec="http://schemas.microsoft.com/office/drawing/2017/decorative" val="1"/>
+                <adec:decorative xmlns:adec="http://schemas.microsoft.com/office/drawing/2017/decorative" xmlns="" val="1"/>
               </a:ext>
             </a:extLst>
           </p:cNvPr>
@@ -6050,7 +6050,7 @@
                 <a16:creationId xmlns:a16="http://schemas.microsoft.com/office/drawing/2014/main" id="{5DBCE864-823D-4A13-9607-5DA1F0ED5FB8}"/>
               </a:ext>
               <a:ext uri="{C183D7F6-B498-43B3-948B-1728B52AA6E4}">
-                <adec:decorative xmlns="" xmlns:adec="http://schemas.microsoft.com/office/drawing/2017/decorative" val="0"/>
+                <adec:decorative xmlns:adec="http://schemas.microsoft.com/office/drawing/2017/decorative" xmlns="" val="0"/>
               </a:ext>
             </a:extLst>
           </p:cNvPr>
@@ -6225,13 +6225,7 @@
               <a:rPr lang="en-US" sz="2000" dirty="0" smtClean="0">
                 <a:latin typeface="Arial" panose="020B0604020202020204" pitchFamily="34" charset="0"/>
               </a:rPr>
-              <a:t>AI analyzes the message using smart language processing</a:t>
-            </a:r>
-            <a:r>
-              <a:rPr lang="en-US" sz="2000" dirty="0" smtClean="0">
-                <a:latin typeface="Arial" panose="020B0604020202020204" pitchFamily="34" charset="0"/>
-              </a:rPr>
-              <a:t>.</a:t>
+              <a:t>AI analyzes the message using smart language processing.</a:t>
             </a:r>
           </a:p>
           <a:p>
@@ -6249,13 +6243,7 @@
               <a:rPr lang="en-US" sz="2000" dirty="0" smtClean="0">
                 <a:latin typeface="Arial" panose="020B0604020202020204" pitchFamily="34" charset="0"/>
               </a:rPr>
-              <a:t>Supports local languages and voice input for easy use</a:t>
-            </a:r>
-            <a:r>
-              <a:rPr lang="en-US" sz="2000" dirty="0" smtClean="0">
-                <a:latin typeface="Arial" panose="020B0604020202020204" pitchFamily="34" charset="0"/>
-              </a:rPr>
-              <a:t>.</a:t>
+              <a:t>Supports local languages and voice input for easy use.</a:t>
             </a:r>
           </a:p>
           <a:p>
@@ -6273,13 +6261,7 @@
               <a:rPr lang="en-US" sz="2000" dirty="0" smtClean="0">
                 <a:latin typeface="Arial" panose="020B0604020202020204" pitchFamily="34" charset="0"/>
               </a:rPr>
-              <a:t>User either types or speaks about their health issue</a:t>
-            </a:r>
-            <a:r>
-              <a:rPr lang="en-US" sz="2000" dirty="0" smtClean="0">
-                <a:latin typeface="Arial" panose="020B0604020202020204" pitchFamily="34" charset="0"/>
-              </a:rPr>
-              <a:t>.</a:t>
+              <a:t>User either types or speaks about their health issue.</a:t>
             </a:r>
           </a:p>
           <a:p>
@@ -6318,13 +6300,7 @@
               <a:rPr lang="en-US" sz="2000" dirty="0" smtClean="0">
                 <a:latin typeface="Arial" panose="020B0604020202020204" pitchFamily="34" charset="0"/>
               </a:rPr>
-              <a:t>Tracks </a:t>
-            </a:r>
-            <a:r>
-              <a:rPr lang="en-US" sz="2000" dirty="0" smtClean="0">
-                <a:latin typeface="Arial" panose="020B0604020202020204" pitchFamily="34" charset="0"/>
-              </a:rPr>
-              <a:t>user health over time and give periodic reports.</a:t>
+              <a:t>Tracks user health over time and give periodic reports.</a:t>
             </a:r>
           </a:p>
           <a:p>
@@ -6743,7 +6719,7 @@
                 <a16:creationId xmlns:a16="http://schemas.microsoft.com/office/drawing/2014/main" id="{5DBCE864-823D-4A13-9607-5DA1F0ED5FB8}"/>
               </a:ext>
               <a:ext uri="{C183D7F6-B498-43B3-948B-1728B52AA6E4}">
-                <adec:decorative xmlns="" xmlns:adec="http://schemas.microsoft.com/office/drawing/2017/decorative" val="0"/>
+                <adec:decorative xmlns:adec="http://schemas.microsoft.com/office/drawing/2017/decorative" xmlns="" val="0"/>
               </a:ext>
             </a:extLst>
           </p:cNvPr>
@@ -7416,8 +7392,15 @@
                 <a:latin typeface="Arial" pitchFamily="34" charset="0"/>
                 <a:cs typeface="Arial" pitchFamily="34" charset="0"/>
               </a:rPr>
-              <a:t>Technically achievable. </a:t>
-            </a:r>
+              <a:t>Multi-channel Support. </a:t>
+            </a:r>
+            <a:endParaRPr lang="en-US" sz="2400" dirty="0" smtClean="0">
+              <a:solidFill>
+                <a:prstClr val="black"/>
+              </a:solidFill>
+              <a:latin typeface="Arial" pitchFamily="34" charset="0"/>
+              <a:cs typeface="Arial" pitchFamily="34" charset="0"/>
+            </a:endParaRPr>
           </a:p>
           <a:p>
             <a:pPr marL="457200" lvl="0" indent="-457200" algn="just">
@@ -7433,18 +7416,22 @@
                 <a:latin typeface="Arial" pitchFamily="34" charset="0"/>
                 <a:cs typeface="Arial" pitchFamily="34" charset="0"/>
               </a:rPr>
-              <a:t>Works </a:t>
-            </a:r>
-            <a:r>
-              <a:rPr lang="en-US" sz="2400" dirty="0">
-                <a:solidFill>
-                  <a:prstClr val="black"/>
-                </a:solidFill>
-                <a:latin typeface="Arial" pitchFamily="34" charset="0"/>
-                <a:cs typeface="Arial" pitchFamily="34" charset="0"/>
-              </a:rPr>
-              <a:t>on smartphones and feature </a:t>
-            </a:r>
+              <a:t>Database and Infrastructure.</a:t>
+            </a:r>
+            <a:endParaRPr lang="en-US" sz="2400" dirty="0" smtClean="0">
+              <a:solidFill>
+                <a:prstClr val="black"/>
+              </a:solidFill>
+              <a:latin typeface="Arial" pitchFamily="34" charset="0"/>
+              <a:cs typeface="Arial" pitchFamily="34" charset="0"/>
+            </a:endParaRPr>
+          </a:p>
+          <a:p>
+            <a:pPr marL="342900" lvl="0" indent="-342900" algn="just">
+              <a:buFont typeface="Arial" panose="020B0604020202020204" pitchFamily="34" charset="0"/>
+              <a:buChar char="•"/>
+              <a:defRPr/>
+            </a:pPr>
             <a:r>
               <a:rPr lang="en-US" sz="2400" dirty="0" smtClean="0">
                 <a:solidFill>
@@ -7453,45 +7440,15 @@
                 <a:latin typeface="Arial" pitchFamily="34" charset="0"/>
                 <a:cs typeface="Arial" pitchFamily="34" charset="0"/>
               </a:rPr>
-              <a:t>phone.</a:t>
-            </a:r>
-          </a:p>
-          <a:p>
-            <a:pPr marL="342900" lvl="0" indent="-342900" algn="just">
-              <a:buFont typeface="Arial" panose="020B0604020202020204" pitchFamily="34" charset="0"/>
-              <a:buChar char="•"/>
-              <a:defRPr/>
-            </a:pPr>
-            <a:r>
-              <a:rPr lang="en-US" sz="2400" dirty="0" smtClean="0">
-                <a:solidFill>
-                  <a:prstClr val="black"/>
-                </a:solidFill>
-                <a:latin typeface="Arial" pitchFamily="34" charset="0"/>
-                <a:cs typeface="Arial" pitchFamily="34" charset="0"/>
-              </a:rPr>
-              <a:t>Cost-effective </a:t>
-            </a:r>
-            <a:r>
-              <a:rPr lang="en-US" sz="2400" dirty="0">
-                <a:solidFill>
-                  <a:prstClr val="black"/>
-                </a:solidFill>
-                <a:latin typeface="Arial" pitchFamily="34" charset="0"/>
-                <a:cs typeface="Arial" pitchFamily="34" charset="0"/>
-              </a:rPr>
-              <a:t>and socially impactful</a:t>
-            </a:r>
-            <a:r>
-              <a:rPr lang="en-US" sz="2400" dirty="0" smtClean="0">
-                <a:solidFill>
-                  <a:prstClr val="black"/>
-                </a:solidFill>
-                <a:latin typeface="Arial" pitchFamily="34" charset="0"/>
-                <a:cs typeface="Arial" pitchFamily="34" charset="0"/>
-              </a:rPr>
-              <a:t>.</a:t>
-            </a:r>
+              <a:t>Rural Inclusion and Low barrier.</a:t>
+            </a:r>
+            <a:endParaRPr lang="en-US" sz="2400" dirty="0" smtClean="0">
+              <a:solidFill>
+                <a:prstClr val="black"/>
+              </a:solidFill>
+              <a:latin typeface="Arial" pitchFamily="34" charset="0"/>
+              <a:cs typeface="Arial" pitchFamily="34" charset="0"/>
+            </a:endParaRPr>
           </a:p>
           <a:p>
             <a:pPr lvl="0" algn="just">
@@ -7551,28 +7508,15 @@
                 <a:latin typeface="Arial" pitchFamily="34" charset="0"/>
                 <a:cs typeface="Arial" pitchFamily="34" charset="0"/>
               </a:rPr>
-              <a:t>High </a:t>
-            </a:r>
-            <a:r>
-              <a:rPr lang="en-US" sz="2400" dirty="0">
-                <a:solidFill>
-                  <a:prstClr val="black"/>
-                </a:solidFill>
-                <a:latin typeface="Arial" pitchFamily="34" charset="0"/>
-                <a:cs typeface="Arial" pitchFamily="34" charset="0"/>
-              </a:rPr>
-              <a:t>social </a:t>
-            </a:r>
-            <a:r>
-              <a:rPr lang="en-US" sz="2400" dirty="0" smtClean="0">
-                <a:solidFill>
-                  <a:prstClr val="black"/>
-                </a:solidFill>
-                <a:latin typeface="Arial" pitchFamily="34" charset="0"/>
-                <a:cs typeface="Arial" pitchFamily="34" charset="0"/>
-              </a:rPr>
-              <a:t>impact.</a:t>
-            </a:r>
+              <a:t>Community Trust.</a:t>
+            </a:r>
+            <a:endParaRPr lang="en-US" sz="2400" dirty="0" smtClean="0">
+              <a:solidFill>
+                <a:prstClr val="black"/>
+              </a:solidFill>
+              <a:latin typeface="Arial" pitchFamily="34" charset="0"/>
+              <a:cs typeface="Arial" pitchFamily="34" charset="0"/>
+            </a:endParaRPr>
           </a:p>
           <a:p>
             <a:pPr marL="342900" lvl="0" indent="-342900" algn="just">
@@ -7788,7 +7732,7 @@
                 <a16:creationId xmlns:a16="http://schemas.microsoft.com/office/drawing/2014/main" id="{5DBCE864-823D-4A13-9607-5DA1F0ED5FB8}"/>
               </a:ext>
               <a:ext uri="{C183D7F6-B498-43B3-948B-1728B52AA6E4}">
-                <adec:decorative xmlns="" xmlns:adec="http://schemas.microsoft.com/office/drawing/2017/decorative" val="0"/>
+                <adec:decorative xmlns:adec="http://schemas.microsoft.com/office/drawing/2017/decorative" xmlns="" val="0"/>
               </a:ext>
             </a:extLst>
           </p:cNvPr>
@@ -8063,14 +8007,7 @@
                 <a:latin typeface="Arial" panose="020B0604020202020204" pitchFamily="34" charset="0"/>
                 <a:cs typeface="Arial" panose="020B0604020202020204" pitchFamily="34" charset="0"/>
               </a:rPr>
-              <a:t>Reduces </a:t>
-            </a:r>
-            <a:r>
-              <a:rPr lang="en-US" sz="2400" dirty="0" smtClean="0">
-                <a:latin typeface="Arial" panose="020B0604020202020204" pitchFamily="34" charset="0"/>
-                <a:cs typeface="Arial" panose="020B0604020202020204" pitchFamily="34" charset="0"/>
-              </a:rPr>
-              <a:t>the spread of false health information.</a:t>
+              <a:t>Reduces the spread of false health information.</a:t>
             </a:r>
           </a:p>
           <a:p>
@@ -8192,14 +8129,7 @@
                 <a:latin typeface="Arial" panose="020B0604020202020204" pitchFamily="34" charset="0"/>
                 <a:cs typeface="Arial" panose="020B0604020202020204" pitchFamily="34" charset="0"/>
               </a:rPr>
-              <a:t>Tracks </a:t>
-            </a:r>
-            <a:r>
-              <a:rPr lang="en-US" sz="2400" dirty="0" smtClean="0">
-                <a:latin typeface="Arial" panose="020B0604020202020204" pitchFamily="34" charset="0"/>
-                <a:cs typeface="Arial" panose="020B0604020202020204" pitchFamily="34" charset="0"/>
-              </a:rPr>
-              <a:t>user health over time.(avoid unnecessary hospital visits)</a:t>
+              <a:t>Tracks user health over time.(avoid unnecessary hospital visits)</a:t>
             </a:r>
           </a:p>
           <a:p>
@@ -8470,7 +8400,7 @@
                 <a16:creationId xmlns:a16="http://schemas.microsoft.com/office/drawing/2014/main" id="{5DBCE864-823D-4A13-9607-5DA1F0ED5FB8}"/>
               </a:ext>
               <a:ext uri="{C183D7F6-B498-43B3-948B-1728B52AA6E4}">
-                <adec:decorative xmlns="" xmlns:adec="http://schemas.microsoft.com/office/drawing/2017/decorative" val="0"/>
+                <adec:decorative xmlns:adec="http://schemas.microsoft.com/office/drawing/2017/decorative" xmlns="" val="0"/>
               </a:ext>
             </a:extLst>
           </p:cNvPr>
@@ -8903,7 +8833,7 @@
                 <a16:creationId xmlns:a16="http://schemas.microsoft.com/office/drawing/2014/main" id="{5DBCE864-823D-4A13-9607-5DA1F0ED5FB8}"/>
               </a:ext>
               <a:ext uri="{C183D7F6-B498-43B3-948B-1728B52AA6E4}">
-                <adec:decorative xmlns="" xmlns:adec="http://schemas.microsoft.com/office/drawing/2017/decorative" val="0"/>
+                <adec:decorative xmlns:adec="http://schemas.microsoft.com/office/drawing/2017/decorative" xmlns="" val="0"/>
               </a:ext>
             </a:extLst>
           </p:cNvPr>
